--- a/lectures/12-terrain-collision.pptx
+++ b/lectures/12-terrain-collision.pptx
@@ -218,7 +218,7 @@
           <a:p>
             <a:fld id="{2CE3422C-D433-4C84-A131-573DCFD5BE4D}" type="datetimeFigureOut">
               <a:rPr lang="en-NZ" smtClean="0"/>
-              <a:t>19/02/20</a:t>
+              <a:t>9/04/20</a:t>
             </a:fld>
             <a:endParaRPr lang="en-NZ"/>
           </a:p>
@@ -2754,7 +2754,7 @@
           <a:p>
             <a:fld id="{F8166F1F-CE9B-4651-A6AA-CD717754106B}" type="datetimeFigureOut">
               <a:rPr lang="en-US" smtClean="0"/>
-              <a:t>2/19/20</a:t>
+              <a:t>4/9/20</a:t>
             </a:fld>
             <a:endParaRPr lang="en-US"/>
           </a:p>
@@ -2919,7 +2919,7 @@
           <a:p>
             <a:fld id="{A76116CE-C4A3-4A05-B2D7-7C2E9A889C0F}" type="datetimeFigureOut">
               <a:rPr lang="en-US" smtClean="0"/>
-              <a:t>2/19/20</a:t>
+              <a:t>4/9/20</a:t>
             </a:fld>
             <a:endParaRPr lang="en-US"/>
           </a:p>
@@ -3094,7 +3094,7 @@
           <a:p>
             <a:fld id="{A76116CE-C4A3-4A05-B2D7-7C2E9A889C0F}" type="datetimeFigureOut">
               <a:rPr lang="en-US" smtClean="0"/>
-              <a:t>2/19/20</a:t>
+              <a:t>4/9/20</a:t>
             </a:fld>
             <a:endParaRPr lang="en-US"/>
           </a:p>
@@ -3261,7 +3261,7 @@
           <a:p>
             <a:fld id="{A76116CE-C4A3-4A05-B2D7-7C2E9A889C0F}" type="datetimeFigureOut">
               <a:rPr lang="en-US" smtClean="0"/>
-              <a:t>2/19/20</a:t>
+              <a:t>4/9/20</a:t>
             </a:fld>
             <a:endParaRPr lang="en-US"/>
           </a:p>
@@ -3502,7 +3502,7 @@
           <a:p>
             <a:fld id="{A76116CE-C4A3-4A05-B2D7-7C2E9A889C0F}" type="datetimeFigureOut">
               <a:rPr lang="en-US" smtClean="0"/>
-              <a:t>2/19/20</a:t>
+              <a:t>4/9/20</a:t>
             </a:fld>
             <a:endParaRPr lang="en-US"/>
           </a:p>
@@ -3785,7 +3785,7 @@
           <a:p>
             <a:fld id="{A76116CE-C4A3-4A05-B2D7-7C2E9A889C0F}" type="datetimeFigureOut">
               <a:rPr lang="en-US" smtClean="0"/>
-              <a:t>2/19/20</a:t>
+              <a:t>4/9/20</a:t>
             </a:fld>
             <a:endParaRPr lang="en-US"/>
           </a:p>
@@ -4202,7 +4202,7 @@
           <a:p>
             <a:fld id="{A76116CE-C4A3-4A05-B2D7-7C2E9A889C0F}" type="datetimeFigureOut">
               <a:rPr lang="en-US" smtClean="0"/>
-              <a:t>2/19/20</a:t>
+              <a:t>4/9/20</a:t>
             </a:fld>
             <a:endParaRPr lang="en-US"/>
           </a:p>
@@ -4315,7 +4315,7 @@
           <a:p>
             <a:fld id="{A76116CE-C4A3-4A05-B2D7-7C2E9A889C0F}" type="datetimeFigureOut">
               <a:rPr lang="en-US" smtClean="0"/>
-              <a:t>2/19/20</a:t>
+              <a:t>4/9/20</a:t>
             </a:fld>
             <a:endParaRPr lang="en-US"/>
           </a:p>
@@ -4405,7 +4405,7 @@
           <a:p>
             <a:fld id="{A76116CE-C4A3-4A05-B2D7-7C2E9A889C0F}" type="datetimeFigureOut">
               <a:rPr lang="en-US" smtClean="0"/>
-              <a:t>2/19/20</a:t>
+              <a:t>4/9/20</a:t>
             </a:fld>
             <a:endParaRPr lang="en-US"/>
           </a:p>
@@ -4677,7 +4677,7 @@
           <a:p>
             <a:fld id="{A76116CE-C4A3-4A05-B2D7-7C2E9A889C0F}" type="datetimeFigureOut">
               <a:rPr lang="en-US" smtClean="0"/>
-              <a:t>2/19/20</a:t>
+              <a:t>4/9/20</a:t>
             </a:fld>
             <a:endParaRPr lang="en-US"/>
           </a:p>
@@ -4925,7 +4925,7 @@
           <a:p>
             <a:fld id="{A76116CE-C4A3-4A05-B2D7-7C2E9A889C0F}" type="datetimeFigureOut">
               <a:rPr lang="en-US" smtClean="0"/>
-              <a:t>2/19/20</a:t>
+              <a:t>4/9/20</a:t>
             </a:fld>
             <a:endParaRPr lang="en-US"/>
           </a:p>
@@ -5133,7 +5133,7 @@
           <a:p>
             <a:fld id="{F8166F1F-CE9B-4651-A6AA-CD717754106B}" type="datetimeFigureOut">
               <a:rPr lang="en-US" smtClean="0"/>
-              <a:t>2/19/20</a:t>
+              <a:t>4/9/20</a:t>
             </a:fld>
             <a:endParaRPr lang="en-US"/>
           </a:p>
@@ -5551,15 +5551,7 @@
             <a:pPr algn="ctr"/>
             <a:r>
               <a:rPr lang="en-US" sz="3000" b="1" dirty="0" smtClean="0"/>
-              <a:t>Lecture </a:t>
-            </a:r>
-            <a:r>
-              <a:rPr lang="en-US" sz="3000" b="1" dirty="0" smtClean="0"/>
-              <a:t>12</a:t>
-            </a:r>
-            <a:r>
-              <a:rPr lang="en-US" sz="3000" b="1" dirty="0" smtClean="0"/>
-              <a:t>: Terrain Collision</a:t>
+              <a:t>Lecture 12: Terrain Collision</a:t>
             </a:r>
             <a:endParaRPr lang="en-US" sz="3000" b="1" dirty="0"/>
           </a:p>
@@ -5636,12 +5628,16 @@
               <a:t>, </a:t>
             </a:r>
             <a:r>
-              <a:rPr lang="en-US" sz="3000" b="1"/>
-              <a:t>3</a:t>
-            </a:r>
-            <a:r>
               <a:rPr lang="en-US" sz="3000" b="1" smtClean="0"/>
-              <a:t> April</a:t>
+              <a:t>17</a:t>
+            </a:r>
+            <a:r>
+              <a:rPr lang="en-US" sz="3000" b="1" smtClean="0"/>
+              <a:t> </a:t>
+            </a:r>
+            <a:r>
+              <a:rPr lang="en-US" sz="3000" b="1" smtClean="0"/>
+              <a:t>April</a:t>
             </a:r>
             <a:endParaRPr lang="en-US" sz="3000" b="1" dirty="0"/>
           </a:p>
@@ -7261,14 +7257,14 @@
                 <a:gridCol w="2743200">
                   <a:extLst>
                     <a:ext uri="{9D8B030D-6E8A-4147-A177-3AD203B41FA5}">
-                      <a16:colId xmlns:a16="http://schemas.microsoft.com/office/drawing/2014/main" xmlns="" val="20000"/>
+                      <a16:colId xmlns="" xmlns:a16="http://schemas.microsoft.com/office/drawing/2014/main" val="20000"/>
                     </a:ext>
                   </a:extLst>
                 </a:gridCol>
                 <a:gridCol w="2743200">
                   <a:extLst>
                     <a:ext uri="{9D8B030D-6E8A-4147-A177-3AD203B41FA5}">
-                      <a16:colId xmlns:a16="http://schemas.microsoft.com/office/drawing/2014/main" xmlns="" val="20001"/>
+                      <a16:colId xmlns="" xmlns:a16="http://schemas.microsoft.com/office/drawing/2014/main" val="20001"/>
                     </a:ext>
                   </a:extLst>
                 </a:gridCol>
@@ -7314,7 +7310,7 @@
                 </a:tc>
                 <a:extLst>
                   <a:ext uri="{0D108BD9-81ED-4DB2-BD59-A6C34878D82A}">
-                    <a16:rowId xmlns:a16="http://schemas.microsoft.com/office/drawing/2014/main" xmlns="" val="10000"/>
+                    <a16:rowId xmlns="" xmlns:a16="http://schemas.microsoft.com/office/drawing/2014/main" val="10000"/>
                   </a:ext>
                 </a:extLst>
               </a:tr>
@@ -7349,7 +7345,7 @@
                 </a:tc>
                 <a:extLst>
                   <a:ext uri="{0D108BD9-81ED-4DB2-BD59-A6C34878D82A}">
-                    <a16:rowId xmlns:a16="http://schemas.microsoft.com/office/drawing/2014/main" xmlns="" val="10001"/>
+                    <a16:rowId xmlns="" xmlns:a16="http://schemas.microsoft.com/office/drawing/2014/main" val="10001"/>
                   </a:ext>
                 </a:extLst>
               </a:tr>
@@ -7384,7 +7380,7 @@
                 </a:tc>
                 <a:extLst>
                   <a:ext uri="{0D108BD9-81ED-4DB2-BD59-A6C34878D82A}">
-                    <a16:rowId xmlns:a16="http://schemas.microsoft.com/office/drawing/2014/main" xmlns="" val="10002"/>
+                    <a16:rowId xmlns="" xmlns:a16="http://schemas.microsoft.com/office/drawing/2014/main" val="10002"/>
                   </a:ext>
                 </a:extLst>
               </a:tr>
@@ -7419,7 +7415,7 @@
                 </a:tc>
                 <a:extLst>
                   <a:ext uri="{0D108BD9-81ED-4DB2-BD59-A6C34878D82A}">
-                    <a16:rowId xmlns:a16="http://schemas.microsoft.com/office/drawing/2014/main" xmlns="" val="10003"/>
+                    <a16:rowId xmlns="" xmlns:a16="http://schemas.microsoft.com/office/drawing/2014/main" val="10003"/>
                   </a:ext>
                 </a:extLst>
               </a:tr>
@@ -7454,7 +7450,7 @@
                 </a:tc>
                 <a:extLst>
                   <a:ext uri="{0D108BD9-81ED-4DB2-BD59-A6C34878D82A}">
-                    <a16:rowId xmlns:a16="http://schemas.microsoft.com/office/drawing/2014/main" xmlns="" val="10004"/>
+                    <a16:rowId xmlns="" xmlns:a16="http://schemas.microsoft.com/office/drawing/2014/main" val="10004"/>
                   </a:ext>
                 </a:extLst>
               </a:tr>

--- a/lectures/12-terrain-collision.pptx
+++ b/lectures/12-terrain-collision.pptx
@@ -218,7 +218,7 @@
           <a:p>
             <a:fld id="{2CE3422C-D433-4C84-A131-573DCFD5BE4D}" type="datetimeFigureOut">
               <a:rPr lang="en-NZ" smtClean="0"/>
-              <a:t>9/04/20</a:t>
+              <a:t>17/04/20</a:t>
             </a:fld>
             <a:endParaRPr lang="en-NZ"/>
           </a:p>
@@ -534,57 +534,6 @@
               <a:buFont typeface="Arial" charset="0"/>
               <a:buChar char="•"/>
             </a:pPr>
-            <a:r>
-              <a:rPr lang="en-NZ" sz="1200" kern="1200" dirty="0" smtClean="0">
-                <a:solidFill>
-                  <a:schemeClr val="tx1"/>
-                </a:solidFill>
-                <a:effectLst/>
-                <a:latin typeface="+mn-lt"/>
-                <a:ea typeface="+mn-ea"/>
-                <a:cs typeface="+mn-cs"/>
-              </a:rPr>
-              <a:t>We looked at the first one last time</a:t>
-            </a:r>
-          </a:p>
-          <a:p>
-            <a:pPr marL="171450" indent="-171450">
-              <a:buFont typeface="Arial" charset="0"/>
-              <a:buChar char="•"/>
-            </a:pPr>
-            <a:endParaRPr lang="en-NZ" sz="1200" kern="1200" dirty="0" smtClean="0">
-              <a:solidFill>
-                <a:schemeClr val="tx1"/>
-              </a:solidFill>
-              <a:effectLst/>
-              <a:latin typeface="+mn-lt"/>
-              <a:ea typeface="+mn-ea"/>
-              <a:cs typeface="+mn-cs"/>
-            </a:endParaRPr>
-          </a:p>
-          <a:p>
-            <a:pPr marL="171450" indent="-171450">
-              <a:buFont typeface="Arial" charset="0"/>
-              <a:buChar char="•"/>
-            </a:pPr>
-            <a:r>
-              <a:rPr lang="en-NZ" sz="1200" kern="1200" dirty="0" smtClean="0">
-                <a:solidFill>
-                  <a:schemeClr val="tx1"/>
-                </a:solidFill>
-                <a:effectLst/>
-                <a:latin typeface="+mn-lt"/>
-                <a:ea typeface="+mn-ea"/>
-                <a:cs typeface="+mn-cs"/>
-              </a:rPr>
-              <a:t>Now we’ll do the second one. This is the logic that gives the world some relevance as different kinds of tiles begin to have different properties</a:t>
-            </a:r>
-          </a:p>
-          <a:p>
-            <a:pPr marL="171450" indent="-171450">
-              <a:buFont typeface="Arial" charset="0"/>
-              <a:buChar char="•"/>
-            </a:pPr>
             <a:endParaRPr lang="en-NZ" sz="1200" kern="1200" dirty="0" smtClean="0">
               <a:solidFill>
                 <a:schemeClr val="tx1"/>
@@ -777,171 +726,6 @@
               <a:buFont typeface="Arial" charset="0"/>
               <a:buChar char="•"/>
             </a:pPr>
-            <a:r>
-              <a:rPr lang="en-NZ" sz="1200" kern="1200" dirty="0" smtClean="0">
-                <a:solidFill>
-                  <a:schemeClr val="tx1"/>
-                </a:solidFill>
-                <a:effectLst/>
-                <a:latin typeface="+mn-lt"/>
-                <a:ea typeface="+mn-ea"/>
-                <a:cs typeface="+mn-cs"/>
-              </a:rPr>
-              <a:t>See the chicken? She is the player character</a:t>
-            </a:r>
-          </a:p>
-          <a:p>
-            <a:pPr marL="171450" indent="-171450">
-              <a:buFont typeface="Arial" charset="0"/>
-              <a:buChar char="•"/>
-            </a:pPr>
-            <a:endParaRPr lang="en-NZ" sz="1200" kern="1200" dirty="0" smtClean="0">
-              <a:solidFill>
-                <a:schemeClr val="tx1"/>
-              </a:solidFill>
-              <a:effectLst/>
-              <a:latin typeface="+mn-lt"/>
-              <a:ea typeface="+mn-ea"/>
-              <a:cs typeface="+mn-cs"/>
-            </a:endParaRPr>
-          </a:p>
-          <a:p>
-            <a:pPr marL="171450" indent="-171450">
-              <a:buFont typeface="Arial" charset="0"/>
-              <a:buChar char="•"/>
-            </a:pPr>
-            <a:r>
-              <a:rPr lang="en-NZ" sz="1200" kern="1200" dirty="0" smtClean="0">
-                <a:solidFill>
-                  <a:schemeClr val="tx1"/>
-                </a:solidFill>
-                <a:effectLst/>
-                <a:latin typeface="+mn-lt"/>
-                <a:ea typeface="+mn-ea"/>
-                <a:cs typeface="+mn-cs"/>
-              </a:rPr>
-              <a:t>In this game she is in a maze – the grass tiles are the ground and the flower pots and other objects are barriers. That is, she can’t walk through them</a:t>
-            </a:r>
-          </a:p>
-          <a:p>
-            <a:pPr marL="171450" indent="-171450">
-              <a:buFont typeface="Arial" charset="0"/>
-              <a:buChar char="•"/>
-            </a:pPr>
-            <a:endParaRPr lang="en-NZ" sz="1200" kern="1200" dirty="0" smtClean="0">
-              <a:solidFill>
-                <a:schemeClr val="tx1"/>
-              </a:solidFill>
-              <a:effectLst/>
-              <a:latin typeface="+mn-lt"/>
-              <a:ea typeface="+mn-ea"/>
-              <a:cs typeface="+mn-cs"/>
-            </a:endParaRPr>
-          </a:p>
-          <a:p>
-            <a:pPr marL="171450" indent="-171450">
-              <a:buFont typeface="Arial" charset="0"/>
-              <a:buChar char="•"/>
-            </a:pPr>
-            <a:r>
-              <a:rPr lang="en-NZ" sz="1200" kern="1200" dirty="0" smtClean="0">
-                <a:solidFill>
-                  <a:schemeClr val="tx1"/>
-                </a:solidFill>
-                <a:effectLst/>
-                <a:latin typeface="+mn-lt"/>
-                <a:ea typeface="+mn-ea"/>
-                <a:cs typeface="+mn-cs"/>
-              </a:rPr>
-              <a:t>If you walk the chicken up to a barrier, she stops, even if you keep pressing the arrow key</a:t>
-            </a:r>
-          </a:p>
-          <a:p>
-            <a:pPr marL="171450" indent="-171450">
-              <a:buFont typeface="Arial" charset="0"/>
-              <a:buChar char="•"/>
-            </a:pPr>
-            <a:endParaRPr lang="en-NZ" sz="1200" kern="1200" dirty="0" smtClean="0">
-              <a:solidFill>
-                <a:schemeClr val="tx1"/>
-              </a:solidFill>
-              <a:effectLst/>
-              <a:latin typeface="+mn-lt"/>
-              <a:ea typeface="+mn-ea"/>
-              <a:cs typeface="+mn-cs"/>
-            </a:endParaRPr>
-          </a:p>
-          <a:p>
-            <a:pPr marL="171450" indent="-171450">
-              <a:buFont typeface="Arial" charset="0"/>
-              <a:buChar char="•"/>
-            </a:pPr>
-            <a:r>
-              <a:rPr lang="en-NZ" sz="1200" kern="1200" dirty="0" smtClean="0">
-                <a:solidFill>
-                  <a:schemeClr val="tx1"/>
-                </a:solidFill>
-                <a:effectLst/>
-                <a:latin typeface="+mn-lt"/>
-                <a:ea typeface="+mn-ea"/>
-                <a:cs typeface="+mn-cs"/>
-              </a:rPr>
-              <a:t>To implement this, we use (or add and use) the Tile class’s “isWalkable” property</a:t>
-            </a:r>
-          </a:p>
-          <a:p>
-            <a:pPr marL="171450" indent="-171450">
-              <a:buFont typeface="Arial" charset="0"/>
-              <a:buChar char="•"/>
-            </a:pPr>
-            <a:endParaRPr lang="en-NZ" sz="1200" kern="1200" dirty="0" smtClean="0">
-              <a:solidFill>
-                <a:schemeClr val="tx1"/>
-              </a:solidFill>
-              <a:effectLst/>
-              <a:latin typeface="+mn-lt"/>
-              <a:ea typeface="+mn-ea"/>
-              <a:cs typeface="+mn-cs"/>
-            </a:endParaRPr>
-          </a:p>
-          <a:p>
-            <a:pPr marL="171450" indent="-171450">
-              <a:buFont typeface="Arial" charset="0"/>
-              <a:buChar char="•"/>
-            </a:pPr>
-            <a:r>
-              <a:rPr lang="en-NZ" sz="1200" kern="1200" dirty="0" smtClean="0">
-                <a:solidFill>
-                  <a:schemeClr val="tx1"/>
-                </a:solidFill>
-                <a:effectLst/>
-                <a:latin typeface="+mn-lt"/>
-                <a:ea typeface="+mn-ea"/>
-                <a:cs typeface="+mn-cs"/>
-              </a:rPr>
-              <a:t>Grass tiles have isWalkable = true; all others have isWalkable = false</a:t>
-            </a:r>
-          </a:p>
-          <a:p>
-            <a:pPr marL="171450" indent="-171450">
-              <a:buFont typeface="Arial" charset="0"/>
-              <a:buChar char="•"/>
-            </a:pPr>
-            <a:endParaRPr lang="en-NZ" sz="1200" kern="1200" dirty="0" smtClean="0">
-              <a:solidFill>
-                <a:schemeClr val="tx1"/>
-              </a:solidFill>
-              <a:effectLst/>
-              <a:latin typeface="+mn-lt"/>
-              <a:ea typeface="+mn-ea"/>
-              <a:cs typeface="+mn-cs"/>
-            </a:endParaRPr>
-          </a:p>
-          <a:p>
-            <a:pPr marL="171450" indent="-171450">
-              <a:buFont typeface="Arial" charset="0"/>
-              <a:buChar char="•"/>
-            </a:pPr>
             <a:endParaRPr lang="en-NZ" sz="1200" kern="1200" dirty="0" smtClean="0">
               <a:solidFill>
                 <a:schemeClr val="tx1"/>
@@ -1038,24 +822,6 @@
               <a:buFont typeface="Arial" charset="0"/>
               <a:buChar char="•"/>
             </a:pPr>
-            <a:r>
-              <a:rPr lang="en-NZ" sz="1200" kern="1200" dirty="0" smtClean="0">
-                <a:solidFill>
-                  <a:schemeClr val="tx1"/>
-                </a:solidFill>
-                <a:effectLst/>
-                <a:latin typeface="+mn-lt"/>
-                <a:ea typeface="+mn-ea"/>
-                <a:cs typeface="+mn-cs"/>
-              </a:rPr>
-              <a:t>So we use a priori collision detection – computing before</a:t>
-            </a:r>
-          </a:p>
-          <a:p>
-            <a:pPr marL="171450" indent="-171450">
-              <a:buFont typeface="Arial" charset="0"/>
-              <a:buChar char="•"/>
-            </a:pPr>
             <a:endParaRPr lang="en-NZ" sz="1200" kern="1200" dirty="0" smtClean="0">
               <a:solidFill>
                 <a:schemeClr val="tx1"/>
@@ -1065,24 +831,6 @@
               <a:ea typeface="+mn-ea"/>
               <a:cs typeface="+mn-cs"/>
             </a:endParaRPr>
-          </a:p>
-          <a:p>
-            <a:pPr marL="171450" indent="-171450">
-              <a:buFont typeface="Arial" charset="0"/>
-              <a:buChar char="•"/>
-            </a:pPr>
-            <a:r>
-              <a:rPr lang="en-NZ" sz="1200" kern="1200" dirty="0" smtClean="0">
-                <a:solidFill>
-                  <a:schemeClr val="tx1"/>
-                </a:solidFill>
-                <a:effectLst/>
-                <a:latin typeface="+mn-lt"/>
-                <a:ea typeface="+mn-ea"/>
-                <a:cs typeface="+mn-cs"/>
-              </a:rPr>
-              <a:t>There are two complexities here</a:t>
-            </a:r>
           </a:p>
         </p:txBody>
       </p:sp>
@@ -1262,303 +1010,6 @@
           <a:bodyPr/>
           <a:lstStyle/>
           <a:p>
-            <a:pPr marL="171450" indent="-171450">
-              <a:buFont typeface="Arial" panose="020B0604020202020204" pitchFamily="34" charset="0"/>
-              <a:buChar char="•"/>
-            </a:pPr>
-            <a:r>
-              <a:rPr lang="en-NZ" sz="1200" kern="1200" dirty="0" smtClean="0">
-                <a:solidFill>
-                  <a:schemeClr val="tx1"/>
-                </a:solidFill>
-                <a:effectLst/>
-                <a:latin typeface="+mn-lt"/>
-                <a:ea typeface="+mn-ea"/>
-                <a:cs typeface="+mn-cs"/>
-              </a:rPr>
-              <a:t>As always, we can start with this, but it’s not very accurate</a:t>
-            </a:r>
-          </a:p>
-          <a:p>
-            <a:pPr marL="171450" indent="-171450">
-              <a:buFont typeface="Arial" panose="020B0604020202020204" pitchFamily="34" charset="0"/>
-              <a:buChar char="•"/>
-            </a:pPr>
-            <a:endParaRPr lang="en-NZ" sz="1200" kern="1200" dirty="0" smtClean="0">
-              <a:solidFill>
-                <a:schemeClr val="tx1"/>
-              </a:solidFill>
-              <a:effectLst/>
-              <a:latin typeface="+mn-lt"/>
-              <a:ea typeface="+mn-ea"/>
-              <a:cs typeface="+mn-cs"/>
-            </a:endParaRPr>
-          </a:p>
-          <a:p>
-            <a:pPr marL="171450" indent="-171450">
-              <a:buFont typeface="Arial" panose="020B0604020202020204" pitchFamily="34" charset="0"/>
-              <a:buChar char="•"/>
-            </a:pPr>
-            <a:r>
-              <a:rPr lang="en-NZ" sz="1200" kern="1200" dirty="0" smtClean="0">
-                <a:solidFill>
-                  <a:schemeClr val="tx1"/>
-                </a:solidFill>
-                <a:effectLst/>
-                <a:latin typeface="+mn-lt"/>
-                <a:ea typeface="+mn-ea"/>
-                <a:cs typeface="+mn-cs"/>
-              </a:rPr>
-              <a:t>Look at the illustration…</a:t>
-            </a:r>
-          </a:p>
-          <a:p>
-            <a:pPr marL="171450" indent="-171450">
-              <a:buFont typeface="Arial" panose="020B0604020202020204" pitchFamily="34" charset="0"/>
-              <a:buChar char="•"/>
-            </a:pPr>
-            <a:endParaRPr lang="en-NZ" sz="1200" kern="1200" dirty="0" smtClean="0">
-              <a:solidFill>
-                <a:schemeClr val="tx1"/>
-              </a:solidFill>
-              <a:effectLst/>
-              <a:latin typeface="+mn-lt"/>
-              <a:ea typeface="+mn-ea"/>
-              <a:cs typeface="+mn-cs"/>
-            </a:endParaRPr>
-          </a:p>
-          <a:p>
-            <a:pPr marL="171450" indent="-171450">
-              <a:buFont typeface="Arial" panose="020B0604020202020204" pitchFamily="34" charset="0"/>
-              <a:buChar char="•"/>
-            </a:pPr>
-            <a:r>
-              <a:rPr lang="en-NZ" sz="1200" kern="1200" dirty="0" smtClean="0">
-                <a:solidFill>
-                  <a:schemeClr val="tx1"/>
-                </a:solidFill>
-                <a:effectLst/>
-                <a:latin typeface="+mn-lt"/>
-                <a:ea typeface="+mn-ea"/>
-                <a:cs typeface="+mn-cs"/>
-              </a:rPr>
-              <a:t>The obvious collision point is at the chicken’s feet (or in slightly if you’re proportionally reducing the bounding rectangle)</a:t>
-            </a:r>
-          </a:p>
-          <a:p>
-            <a:pPr marL="171450" indent="-171450">
-              <a:buFont typeface="Arial" panose="020B0604020202020204" pitchFamily="34" charset="0"/>
-              <a:buChar char="•"/>
-            </a:pPr>
-            <a:endParaRPr lang="en-NZ" sz="1200" kern="1200" dirty="0" smtClean="0">
-              <a:solidFill>
-                <a:schemeClr val="tx1"/>
-              </a:solidFill>
-              <a:effectLst/>
-              <a:latin typeface="+mn-lt"/>
-              <a:ea typeface="+mn-ea"/>
-              <a:cs typeface="+mn-cs"/>
-            </a:endParaRPr>
-          </a:p>
-          <a:p>
-            <a:pPr marL="171450" indent="-171450">
-              <a:buFont typeface="Arial" panose="020B0604020202020204" pitchFamily="34" charset="0"/>
-              <a:buChar char="•"/>
-            </a:pPr>
-            <a:r>
-              <a:rPr lang="en-NZ" sz="1200" kern="1200" dirty="0" smtClean="0">
-                <a:solidFill>
-                  <a:schemeClr val="tx1"/>
-                </a:solidFill>
-                <a:effectLst/>
-                <a:latin typeface="+mn-lt"/>
-                <a:ea typeface="+mn-ea"/>
-                <a:cs typeface="+mn-cs"/>
-              </a:rPr>
-              <a:t>You want the chicken to stop when its lower right corner hits the flower tile</a:t>
-            </a:r>
-          </a:p>
-          <a:p>
-            <a:pPr marL="171450" indent="-171450">
-              <a:buFont typeface="Arial" panose="020B0604020202020204" pitchFamily="34" charset="0"/>
-              <a:buChar char="•"/>
-            </a:pPr>
-            <a:endParaRPr lang="en-NZ" sz="1200" kern="1200" dirty="0" smtClean="0">
-              <a:solidFill>
-                <a:schemeClr val="tx1"/>
-              </a:solidFill>
-              <a:effectLst/>
-              <a:latin typeface="+mn-lt"/>
-              <a:ea typeface="+mn-ea"/>
-              <a:cs typeface="+mn-cs"/>
-            </a:endParaRPr>
-          </a:p>
-          <a:p>
-            <a:pPr marL="171450" indent="-171450">
-              <a:buFont typeface="Arial" panose="020B0604020202020204" pitchFamily="34" charset="0"/>
-              <a:buChar char="•"/>
-            </a:pPr>
-            <a:r>
-              <a:rPr lang="en-NZ" sz="1200" kern="1200" dirty="0" smtClean="0">
-                <a:solidFill>
-                  <a:schemeClr val="tx1"/>
-                </a:solidFill>
-                <a:effectLst/>
-                <a:latin typeface="+mn-lt"/>
-                <a:ea typeface="+mn-ea"/>
-                <a:cs typeface="+mn-cs"/>
-              </a:rPr>
-              <a:t>But xPos yPos is the upper left corner. If you compute xPos/</a:t>
-            </a:r>
-            <a:r>
-              <a:rPr lang="en-NZ" sz="1200" kern="1200" dirty="0" err="1" smtClean="0">
-                <a:solidFill>
-                  <a:schemeClr val="tx1"/>
-                </a:solidFill>
-                <a:effectLst/>
-                <a:latin typeface="+mn-lt"/>
-                <a:ea typeface="+mn-ea"/>
-                <a:cs typeface="+mn-cs"/>
-              </a:rPr>
-              <a:t>Tile_SIDE</a:t>
-            </a:r>
-            <a:r>
-              <a:rPr lang="en-NZ" sz="1200" kern="1200" dirty="0" smtClean="0">
-                <a:solidFill>
-                  <a:schemeClr val="tx1"/>
-                </a:solidFill>
-                <a:effectLst/>
-                <a:latin typeface="+mn-lt"/>
-                <a:ea typeface="+mn-ea"/>
-                <a:cs typeface="+mn-cs"/>
-              </a:rPr>
-              <a:t>, you get the tile that the upper left corner is in, not the tile the lower right corner is in</a:t>
-            </a:r>
-          </a:p>
-          <a:p>
-            <a:pPr marL="171450" indent="-171450">
-              <a:buFont typeface="Arial" panose="020B0604020202020204" pitchFamily="34" charset="0"/>
-              <a:buChar char="•"/>
-            </a:pPr>
-            <a:endParaRPr lang="en-NZ" sz="1200" kern="1200" dirty="0" smtClean="0">
-              <a:solidFill>
-                <a:schemeClr val="tx1"/>
-              </a:solidFill>
-              <a:effectLst/>
-              <a:latin typeface="+mn-lt"/>
-              <a:ea typeface="+mn-ea"/>
-              <a:cs typeface="+mn-cs"/>
-            </a:endParaRPr>
-          </a:p>
-          <a:p>
-            <a:pPr marL="171450" indent="-171450">
-              <a:buFont typeface="Arial" panose="020B0604020202020204" pitchFamily="34" charset="0"/>
-              <a:buChar char="•"/>
-            </a:pPr>
-            <a:r>
-              <a:rPr lang="en-NZ" sz="1200" kern="1200" dirty="0" smtClean="0">
-                <a:solidFill>
-                  <a:schemeClr val="tx1"/>
-                </a:solidFill>
-                <a:effectLst/>
-                <a:latin typeface="+mn-lt"/>
-                <a:ea typeface="+mn-ea"/>
-                <a:cs typeface="+mn-cs"/>
-              </a:rPr>
-              <a:t>So what should you do?  =&gt; compute the pixel coordinate of the collision point by adding </a:t>
-            </a:r>
-            <a:r>
-              <a:rPr lang="en-NZ" sz="1200" kern="1200" dirty="0" err="1" smtClean="0">
-                <a:solidFill>
-                  <a:schemeClr val="tx1"/>
-                </a:solidFill>
-                <a:effectLst/>
-                <a:latin typeface="+mn-lt"/>
-                <a:ea typeface="+mn-ea"/>
-                <a:cs typeface="+mn-cs"/>
-              </a:rPr>
-              <a:t>framewidth</a:t>
-            </a:r>
-            <a:r>
-              <a:rPr lang="en-NZ" sz="1200" kern="1200" dirty="0" smtClean="0">
-                <a:solidFill>
-                  <a:schemeClr val="tx1"/>
-                </a:solidFill>
-                <a:effectLst/>
-                <a:latin typeface="+mn-lt"/>
-                <a:ea typeface="+mn-ea"/>
-                <a:cs typeface="+mn-cs"/>
-              </a:rPr>
-              <a:t> and frameHeight to xPos and yPos as required</a:t>
-            </a:r>
-          </a:p>
-          <a:p>
-            <a:pPr marL="171450" indent="-171450">
-              <a:buFont typeface="Arial" panose="020B0604020202020204" pitchFamily="34" charset="0"/>
-              <a:buChar char="•"/>
-            </a:pPr>
-            <a:endParaRPr lang="en-NZ" sz="1200" kern="1200" dirty="0" smtClean="0">
-              <a:solidFill>
-                <a:schemeClr val="tx1"/>
-              </a:solidFill>
-              <a:effectLst/>
-              <a:latin typeface="+mn-lt"/>
-              <a:ea typeface="+mn-ea"/>
-              <a:cs typeface="+mn-cs"/>
-            </a:endParaRPr>
-          </a:p>
-          <a:p>
-            <a:pPr marL="171450" indent="-171450">
-              <a:buFont typeface="Arial" panose="020B0604020202020204" pitchFamily="34" charset="0"/>
-              <a:buChar char="•"/>
-            </a:pPr>
-            <a:r>
-              <a:rPr lang="en-NZ" sz="1200" kern="1200" dirty="0" smtClean="0">
-                <a:solidFill>
-                  <a:schemeClr val="tx1"/>
-                </a:solidFill>
-                <a:effectLst/>
-                <a:latin typeface="+mn-lt"/>
-                <a:ea typeface="+mn-ea"/>
-                <a:cs typeface="+mn-cs"/>
-              </a:rPr>
-              <a:t>Use that point to compute the tile the player is about to move onto</a:t>
-            </a:r>
-          </a:p>
-          <a:p>
-            <a:pPr marL="171450" indent="-171450">
-              <a:buFont typeface="Arial" panose="020B0604020202020204" pitchFamily="34" charset="0"/>
-              <a:buChar char="•"/>
-            </a:pPr>
-            <a:endParaRPr lang="en-NZ" sz="1200" kern="1200" dirty="0" smtClean="0">
-              <a:solidFill>
-                <a:schemeClr val="tx1"/>
-              </a:solidFill>
-              <a:effectLst/>
-              <a:latin typeface="+mn-lt"/>
-              <a:ea typeface="+mn-ea"/>
-              <a:cs typeface="+mn-cs"/>
-            </a:endParaRPr>
-          </a:p>
-          <a:p>
-            <a:pPr marL="171450" indent="-171450">
-              <a:buFont typeface="Arial" panose="020B0604020202020204" pitchFamily="34" charset="0"/>
-              <a:buChar char="•"/>
-            </a:pPr>
-            <a:r>
-              <a:rPr lang="en-NZ" sz="1200" kern="1200" dirty="0" smtClean="0">
-                <a:solidFill>
-                  <a:schemeClr val="tx1"/>
-                </a:solidFill>
-                <a:effectLst/>
-                <a:latin typeface="+mn-lt"/>
-                <a:ea typeface="+mn-ea"/>
-                <a:cs typeface="+mn-cs"/>
-              </a:rPr>
-              <a:t>Note thought that the correct point to look at depends on what direction the sprite is moving...</a:t>
-            </a:r>
-          </a:p>
-          <a:p>
             <a:pPr marL="0" indent="0">
               <a:buFont typeface="Arial" charset="0"/>
               <a:buNone/>
@@ -1659,31 +1110,6 @@
               <a:buFont typeface="Arial" panose="020B0604020202020204" pitchFamily="34" charset="0"/>
               <a:buChar char="•"/>
             </a:pPr>
-            <a:r>
-              <a:rPr lang="en-NZ" dirty="0" smtClean="0"/>
-              <a:t>You might need to modify this depending on your sprite’s image,</a:t>
-            </a:r>
-            <a:r>
-              <a:rPr lang="en-NZ" baseline="0" dirty="0" smtClean="0"/>
-              <a:t> if it has a clear leading part</a:t>
-            </a:r>
-          </a:p>
-          <a:p>
-            <a:pPr marL="171450" indent="-171450">
-              <a:buFont typeface="Arial" panose="020B0604020202020204" pitchFamily="34" charset="0"/>
-              <a:buChar char="•"/>
-            </a:pPr>
-            <a:endParaRPr lang="en-NZ" baseline="0" dirty="0" smtClean="0"/>
-          </a:p>
-          <a:p>
-            <a:pPr marL="171450" indent="-171450">
-              <a:buFont typeface="Arial" panose="020B0604020202020204" pitchFamily="34" charset="0"/>
-              <a:buChar char="•"/>
-            </a:pPr>
-            <a:r>
-              <a:rPr lang="en-NZ" baseline="0" dirty="0" smtClean="0"/>
-              <a:t>You might want to make it more accurate by looking not at the corner, but at the centre in cases like North and South where there is a nose</a:t>
-            </a:r>
             <a:endParaRPr lang="en-NZ" dirty="0"/>
           </a:p>
         </p:txBody>
@@ -1768,264 +1194,6 @@
           <a:bodyPr/>
           <a:lstStyle/>
           <a:p>
-            <a:pPr marL="171450" indent="-171450">
-              <a:buFont typeface="Arial" panose="020B0604020202020204" pitchFamily="34" charset="0"/>
-              <a:buChar char="•"/>
-            </a:pPr>
-            <a:r>
-              <a:rPr lang="en-NZ" sz="1200" kern="1200" dirty="0" smtClean="0">
-                <a:solidFill>
-                  <a:schemeClr val="tx1"/>
-                </a:solidFill>
-                <a:effectLst/>
-                <a:latin typeface="+mn-lt"/>
-                <a:ea typeface="+mn-ea"/>
-                <a:cs typeface="+mn-cs"/>
-              </a:rPr>
-              <a:t>Another OO data chain</a:t>
-            </a:r>
-          </a:p>
-          <a:p>
-            <a:pPr marL="171450" indent="-171450">
-              <a:buFont typeface="Arial" panose="020B0604020202020204" pitchFamily="34" charset="0"/>
-              <a:buChar char="•"/>
-            </a:pPr>
-            <a:endParaRPr lang="en-NZ" sz="1200" kern="1200" dirty="0" smtClean="0">
-              <a:solidFill>
-                <a:schemeClr val="tx1"/>
-              </a:solidFill>
-              <a:effectLst/>
-              <a:latin typeface="+mn-lt"/>
-              <a:ea typeface="+mn-ea"/>
-              <a:cs typeface="+mn-cs"/>
-            </a:endParaRPr>
-          </a:p>
-          <a:p>
-            <a:pPr marL="171450" indent="-171450">
-              <a:buFont typeface="Arial" panose="020B0604020202020204" pitchFamily="34" charset="0"/>
-              <a:buChar char="•"/>
-            </a:pPr>
-            <a:r>
-              <a:rPr lang="en-NZ" sz="1200" kern="1200" dirty="0" smtClean="0">
-                <a:solidFill>
-                  <a:schemeClr val="tx1"/>
-                </a:solidFill>
-                <a:effectLst/>
-                <a:latin typeface="+mn-lt"/>
-                <a:ea typeface="+mn-ea"/>
-                <a:cs typeface="+mn-cs"/>
-              </a:rPr>
-              <a:t>The sprite computes its tile column and row and calls a TileMap method, passing them in. That method should return true or false, depending on the isWalkable to the target Tile</a:t>
-            </a:r>
-          </a:p>
-          <a:p>
-            <a:pPr marL="171450" indent="-171450">
-              <a:buFont typeface="Arial" panose="020B0604020202020204" pitchFamily="34" charset="0"/>
-              <a:buChar char="•"/>
-            </a:pPr>
-            <a:endParaRPr lang="en-NZ" sz="1200" kern="1200" dirty="0" smtClean="0">
-              <a:solidFill>
-                <a:schemeClr val="tx1"/>
-              </a:solidFill>
-              <a:effectLst/>
-              <a:latin typeface="+mn-lt"/>
-              <a:ea typeface="+mn-ea"/>
-              <a:cs typeface="+mn-cs"/>
-            </a:endParaRPr>
-          </a:p>
-          <a:p>
-            <a:pPr marL="171450" indent="-171450">
-              <a:buFont typeface="Arial" panose="020B0604020202020204" pitchFamily="34" charset="0"/>
-              <a:buChar char="•"/>
-            </a:pPr>
-            <a:r>
-              <a:rPr lang="en-NZ" sz="1200" kern="1200" dirty="0" smtClean="0">
-                <a:solidFill>
-                  <a:schemeClr val="tx1"/>
-                </a:solidFill>
-                <a:effectLst/>
-                <a:latin typeface="+mn-lt"/>
-                <a:ea typeface="+mn-ea"/>
-                <a:cs typeface="+mn-cs"/>
-              </a:rPr>
-              <a:t>In that method, the tile map figures out what tile index is at that location in the map and calls a method of the TileList, passing the index in. that method should return the isWalkable, so the TileMap can return it to the Sprite</a:t>
-            </a:r>
-          </a:p>
-          <a:p>
-            <a:pPr marL="171450" indent="-171450">
-              <a:buFont typeface="Arial" panose="020B0604020202020204" pitchFamily="34" charset="0"/>
-              <a:buChar char="•"/>
-            </a:pPr>
-            <a:endParaRPr lang="en-NZ" sz="1200" kern="1200" dirty="0" smtClean="0">
-              <a:solidFill>
-                <a:schemeClr val="tx1"/>
-              </a:solidFill>
-              <a:effectLst/>
-              <a:latin typeface="+mn-lt"/>
-              <a:ea typeface="+mn-ea"/>
-              <a:cs typeface="+mn-cs"/>
-            </a:endParaRPr>
-          </a:p>
-          <a:p>
-            <a:pPr marL="171450" indent="-171450">
-              <a:buFont typeface="Arial" panose="020B0604020202020204" pitchFamily="34" charset="0"/>
-              <a:buChar char="•"/>
-            </a:pPr>
-            <a:r>
-              <a:rPr lang="en-NZ" sz="1200" kern="1200" dirty="0" smtClean="0">
-                <a:solidFill>
-                  <a:schemeClr val="tx1"/>
-                </a:solidFill>
-                <a:effectLst/>
-                <a:latin typeface="+mn-lt"/>
-                <a:ea typeface="+mn-ea"/>
-                <a:cs typeface="+mn-cs"/>
-              </a:rPr>
-              <a:t>In the TileList’s method, the tile list figures out which tile corresponds to the index and asks for its isWalkable value</a:t>
-            </a:r>
-          </a:p>
-          <a:p>
-            <a:pPr marL="171450" indent="-171450">
-              <a:buFont typeface="Arial" panose="020B0604020202020204" pitchFamily="34" charset="0"/>
-              <a:buChar char="•"/>
-            </a:pPr>
-            <a:endParaRPr lang="en-NZ" sz="1200" kern="1200" dirty="0" smtClean="0">
-              <a:solidFill>
-                <a:schemeClr val="tx1"/>
-              </a:solidFill>
-              <a:effectLst/>
-              <a:latin typeface="+mn-lt"/>
-              <a:ea typeface="+mn-ea"/>
-              <a:cs typeface="+mn-cs"/>
-            </a:endParaRPr>
-          </a:p>
-          <a:p>
-            <a:pPr marL="171450" indent="-171450">
-              <a:buFont typeface="Arial" panose="020B0604020202020204" pitchFamily="34" charset="0"/>
-              <a:buChar char="•"/>
-            </a:pPr>
-            <a:r>
-              <a:rPr lang="en-NZ" sz="1200" kern="1200" dirty="0" smtClean="0">
-                <a:solidFill>
-                  <a:schemeClr val="tx1"/>
-                </a:solidFill>
-                <a:effectLst/>
-                <a:latin typeface="+mn-lt"/>
-                <a:ea typeface="+mn-ea"/>
-                <a:cs typeface="+mn-cs"/>
-              </a:rPr>
-              <a:t>Each method must return the data it gets to the caller until the value works its way back up to the Sprite</a:t>
-            </a:r>
-          </a:p>
-          <a:p>
-            <a:pPr marL="171450" indent="-171450">
-              <a:buFont typeface="Arial" panose="020B0604020202020204" pitchFamily="34" charset="0"/>
-              <a:buChar char="•"/>
-            </a:pPr>
-            <a:endParaRPr lang="en-NZ" sz="1200" kern="1200" dirty="0" smtClean="0">
-              <a:solidFill>
-                <a:schemeClr val="tx1"/>
-              </a:solidFill>
-              <a:effectLst/>
-              <a:latin typeface="+mn-lt"/>
-              <a:ea typeface="+mn-ea"/>
-              <a:cs typeface="+mn-cs"/>
-            </a:endParaRPr>
-          </a:p>
-          <a:p>
-            <a:pPr marL="171450" indent="-171450">
-              <a:buFont typeface="Arial" panose="020B0604020202020204" pitchFamily="34" charset="0"/>
-              <a:buChar char="•"/>
-            </a:pPr>
-            <a:r>
-              <a:rPr lang="en-NZ" sz="1200" kern="1200" dirty="0" smtClean="0">
-                <a:solidFill>
-                  <a:schemeClr val="tx1"/>
-                </a:solidFill>
-                <a:effectLst/>
-                <a:latin typeface="+mn-lt"/>
-                <a:ea typeface="+mn-ea"/>
-                <a:cs typeface="+mn-cs"/>
-              </a:rPr>
-              <a:t>So you pass the Sprite’s data down the chain and the Tile’s data back up.</a:t>
-            </a:r>
-          </a:p>
-          <a:p>
-            <a:pPr marL="171450" indent="-171450">
-              <a:buFont typeface="Arial" panose="020B0604020202020204" pitchFamily="34" charset="0"/>
-              <a:buChar char="•"/>
-            </a:pPr>
-            <a:r>
-              <a:rPr lang="en-NZ" sz="1200" kern="1200" dirty="0" smtClean="0">
-                <a:solidFill>
-                  <a:schemeClr val="tx1"/>
-                </a:solidFill>
-                <a:effectLst/>
-                <a:latin typeface="+mn-lt"/>
-                <a:ea typeface="+mn-ea"/>
-                <a:cs typeface="+mn-cs"/>
-              </a:rPr>
-              <a:t>This is a very common OO pattern</a:t>
-            </a:r>
-          </a:p>
-          <a:p>
-            <a:pPr marL="171450" indent="-171450">
-              <a:buFont typeface="Arial" panose="020B0604020202020204" pitchFamily="34" charset="0"/>
-              <a:buChar char="•"/>
-            </a:pPr>
-            <a:endParaRPr lang="en-NZ" sz="1200" kern="1200" dirty="0" smtClean="0">
-              <a:solidFill>
-                <a:schemeClr val="tx1"/>
-              </a:solidFill>
-              <a:effectLst/>
-              <a:latin typeface="+mn-lt"/>
-              <a:ea typeface="+mn-ea"/>
-              <a:cs typeface="+mn-cs"/>
-            </a:endParaRPr>
-          </a:p>
-          <a:p>
-            <a:pPr marL="171450" indent="-171450">
-              <a:buFont typeface="Arial" panose="020B0604020202020204" pitchFamily="34" charset="0"/>
-              <a:buChar char="•"/>
-            </a:pPr>
-            <a:r>
-              <a:rPr lang="en-NZ" sz="1200" kern="1200" dirty="0" smtClean="0">
-                <a:solidFill>
-                  <a:schemeClr val="tx1"/>
-                </a:solidFill>
-                <a:effectLst/>
-                <a:latin typeface="+mn-lt"/>
-                <a:ea typeface="+mn-ea"/>
-                <a:cs typeface="+mn-cs"/>
-              </a:rPr>
-              <a:t>So you must give your sprite a pointer to its tile map on creation. If you change </a:t>
-            </a:r>
-            <a:r>
-              <a:rPr lang="en-NZ" sz="1200" kern="1200" dirty="0" err="1" smtClean="0">
-                <a:solidFill>
-                  <a:schemeClr val="tx1"/>
-                </a:solidFill>
-                <a:effectLst/>
-                <a:latin typeface="+mn-lt"/>
-                <a:ea typeface="+mn-ea"/>
-                <a:cs typeface="+mn-cs"/>
-              </a:rPr>
-              <a:t>TileMaps</a:t>
-            </a:r>
-            <a:r>
-              <a:rPr lang="en-NZ" sz="1200" kern="1200" dirty="0" smtClean="0">
-                <a:solidFill>
-                  <a:schemeClr val="tx1"/>
-                </a:solidFill>
-                <a:effectLst/>
-                <a:latin typeface="+mn-lt"/>
-                <a:ea typeface="+mn-ea"/>
-                <a:cs typeface="+mn-cs"/>
-              </a:rPr>
-              <a:t>, update this pointer</a:t>
-            </a:r>
-          </a:p>
-          <a:p>
             <a:pPr marL="0" indent="0">
               <a:buFont typeface="Arial" charset="0"/>
               <a:buNone/>
@@ -2122,180 +1290,6 @@
           <a:bodyPr/>
           <a:lstStyle/>
           <a:p>
-            <a:pPr marL="171450" indent="-171450">
-              <a:buFont typeface="Arial" panose="020B0604020202020204" pitchFamily="34" charset="0"/>
-              <a:buChar char="•"/>
-            </a:pPr>
-            <a:r>
-              <a:rPr lang="en-NZ" sz="1200" kern="1200" dirty="0" smtClean="0">
-                <a:solidFill>
-                  <a:schemeClr val="tx1"/>
-                </a:solidFill>
-                <a:effectLst/>
-                <a:latin typeface="+mn-lt"/>
-                <a:ea typeface="+mn-ea"/>
-                <a:cs typeface="+mn-cs"/>
-              </a:rPr>
-              <a:t>Think about the logic of step 4. You must compute the new xPos and yPos and place them into local variables</a:t>
-            </a:r>
-          </a:p>
-          <a:p>
-            <a:pPr marL="171450" indent="-171450">
-              <a:buFont typeface="Arial" panose="020B0604020202020204" pitchFamily="34" charset="0"/>
-              <a:buChar char="•"/>
-            </a:pPr>
-            <a:endParaRPr lang="en-NZ" sz="1200" kern="1200" dirty="0" smtClean="0">
-              <a:solidFill>
-                <a:schemeClr val="tx1"/>
-              </a:solidFill>
-              <a:effectLst/>
-              <a:latin typeface="+mn-lt"/>
-              <a:ea typeface="+mn-ea"/>
-              <a:cs typeface="+mn-cs"/>
-            </a:endParaRPr>
-          </a:p>
-          <a:p>
-            <a:pPr marL="171450" indent="-171450">
-              <a:buFont typeface="Arial" panose="020B0604020202020204" pitchFamily="34" charset="0"/>
-              <a:buChar char="•"/>
-            </a:pPr>
-            <a:r>
-              <a:rPr lang="en-NZ" sz="1200" kern="1200" dirty="0" smtClean="0">
-                <a:solidFill>
-                  <a:schemeClr val="tx1"/>
-                </a:solidFill>
-                <a:effectLst/>
-                <a:latin typeface="+mn-lt"/>
-                <a:ea typeface="+mn-ea"/>
-                <a:cs typeface="+mn-cs"/>
-              </a:rPr>
-              <a:t>Do the </a:t>
-            </a:r>
-            <a:r>
-              <a:rPr lang="en-NZ" sz="1200" kern="1200" dirty="0" err="1" smtClean="0">
-                <a:solidFill>
-                  <a:schemeClr val="tx1"/>
-                </a:solidFill>
-                <a:effectLst/>
-                <a:latin typeface="+mn-lt"/>
-                <a:ea typeface="+mn-ea"/>
-                <a:cs typeface="+mn-cs"/>
-              </a:rPr>
-              <a:t>newTileColumn</a:t>
-            </a:r>
-            <a:r>
-              <a:rPr lang="en-NZ" sz="1200" kern="1200" dirty="0" smtClean="0">
-                <a:solidFill>
-                  <a:schemeClr val="tx1"/>
-                </a:solidFill>
-                <a:effectLst/>
-                <a:latin typeface="+mn-lt"/>
-                <a:ea typeface="+mn-ea"/>
-                <a:cs typeface="+mn-cs"/>
-              </a:rPr>
-              <a:t> and </a:t>
-            </a:r>
-            <a:r>
-              <a:rPr lang="en-NZ" sz="1200" kern="1200" dirty="0" err="1" smtClean="0">
-                <a:solidFill>
-                  <a:schemeClr val="tx1"/>
-                </a:solidFill>
-                <a:effectLst/>
-                <a:latin typeface="+mn-lt"/>
-                <a:ea typeface="+mn-ea"/>
-                <a:cs typeface="+mn-cs"/>
-              </a:rPr>
-              <a:t>newTileRow</a:t>
-            </a:r>
-            <a:r>
-              <a:rPr lang="en-NZ" sz="1200" kern="1200" dirty="0" smtClean="0">
-                <a:solidFill>
-                  <a:schemeClr val="tx1"/>
-                </a:solidFill>
-                <a:effectLst/>
-                <a:latin typeface="+mn-lt"/>
-                <a:ea typeface="+mn-ea"/>
-                <a:cs typeface="+mn-cs"/>
-              </a:rPr>
-              <a:t> computations based on these variables</a:t>
-            </a:r>
-          </a:p>
-          <a:p>
-            <a:pPr marL="171450" indent="-171450">
-              <a:buFont typeface="Arial" panose="020B0604020202020204" pitchFamily="34" charset="0"/>
-              <a:buChar char="•"/>
-            </a:pPr>
-            <a:r>
-              <a:rPr lang="en-NZ" sz="1200" kern="1200" dirty="0" smtClean="0">
-                <a:solidFill>
-                  <a:schemeClr val="tx1"/>
-                </a:solidFill>
-                <a:effectLst/>
-                <a:latin typeface="+mn-lt"/>
-                <a:ea typeface="+mn-ea"/>
-                <a:cs typeface="+mn-cs"/>
-              </a:rPr>
-              <a:t>Determine if the new tile is walkable</a:t>
-            </a:r>
-          </a:p>
-          <a:p>
-            <a:pPr marL="171450" indent="-171450">
-              <a:buFont typeface="Arial" panose="020B0604020202020204" pitchFamily="34" charset="0"/>
-              <a:buChar char="•"/>
-            </a:pPr>
-            <a:endParaRPr lang="en-NZ" sz="1200" kern="1200" dirty="0" smtClean="0">
-              <a:solidFill>
-                <a:schemeClr val="tx1"/>
-              </a:solidFill>
-              <a:effectLst/>
-              <a:latin typeface="+mn-lt"/>
-              <a:ea typeface="+mn-ea"/>
-              <a:cs typeface="+mn-cs"/>
-            </a:endParaRPr>
-          </a:p>
-          <a:p>
-            <a:pPr marL="171450" indent="-171450">
-              <a:buFont typeface="Arial" panose="020B0604020202020204" pitchFamily="34" charset="0"/>
-              <a:buChar char="•"/>
-            </a:pPr>
-            <a:r>
-              <a:rPr lang="en-NZ" sz="1200" kern="1200" dirty="0" smtClean="0">
-                <a:solidFill>
-                  <a:schemeClr val="tx1"/>
-                </a:solidFill>
-                <a:effectLst/>
-                <a:latin typeface="+mn-lt"/>
-                <a:ea typeface="+mn-ea"/>
-                <a:cs typeface="+mn-cs"/>
-              </a:rPr>
-              <a:t>Only if it is, copy the temporary values into  </a:t>
-            </a:r>
-            <a:r>
-              <a:rPr lang="en-NZ" sz="1200" kern="1200" dirty="0" err="1" smtClean="0">
-                <a:solidFill>
-                  <a:schemeClr val="tx1"/>
-                </a:solidFill>
-                <a:effectLst/>
-                <a:latin typeface="+mn-lt"/>
-                <a:ea typeface="+mn-ea"/>
-                <a:cs typeface="+mn-cs"/>
-              </a:rPr>
-              <a:t>into</a:t>
-            </a:r>
-            <a:r>
-              <a:rPr lang="en-NZ" sz="1200" kern="1200" dirty="0" smtClean="0">
-                <a:solidFill>
-                  <a:schemeClr val="tx1"/>
-                </a:solidFill>
-                <a:effectLst/>
-                <a:latin typeface="+mn-lt"/>
-                <a:ea typeface="+mn-ea"/>
-                <a:cs typeface="+mn-cs"/>
-              </a:rPr>
-              <a:t> the real xPos and yPos</a:t>
-            </a:r>
-          </a:p>
-          <a:p>
             <a:pPr marL="0" indent="0">
               <a:buFont typeface="Arial" charset="0"/>
               <a:buNone/>
@@ -2396,102 +1390,6 @@
               <a:buFont typeface="Arial" panose="020B0604020202020204" pitchFamily="34" charset="0"/>
               <a:buChar char="•"/>
             </a:pPr>
-            <a:r>
-              <a:rPr lang="en-NZ" sz="1200" kern="1200" dirty="0" smtClean="0">
-                <a:solidFill>
-                  <a:schemeClr val="tx1"/>
-                </a:solidFill>
-                <a:effectLst/>
-                <a:latin typeface="+mn-lt"/>
-                <a:ea typeface="+mn-ea"/>
-                <a:cs typeface="+mn-cs"/>
-              </a:rPr>
-              <a:t>How do you compute the temp positions? =&gt; just like you always do: </a:t>
-            </a:r>
-            <a:r>
-              <a:rPr lang="en-NZ" sz="1200" kern="1200" dirty="0" err="1" smtClean="0">
-                <a:solidFill>
-                  <a:schemeClr val="tx1"/>
-                </a:solidFill>
-                <a:effectLst/>
-                <a:latin typeface="+mn-lt"/>
-                <a:ea typeface="+mn-ea"/>
-                <a:cs typeface="+mn-cs"/>
-              </a:rPr>
-              <a:t>nextXPos</a:t>
-            </a:r>
-            <a:r>
-              <a:rPr lang="en-NZ" sz="1200" kern="1200" dirty="0" smtClean="0">
-                <a:solidFill>
-                  <a:schemeClr val="tx1"/>
-                </a:solidFill>
-                <a:effectLst/>
-                <a:latin typeface="+mn-lt"/>
-                <a:ea typeface="+mn-ea"/>
-                <a:cs typeface="+mn-cs"/>
-              </a:rPr>
-              <a:t> = xPos + </a:t>
-            </a:r>
-            <a:r>
-              <a:rPr lang="en-NZ" sz="1200" kern="1200" dirty="0" err="1" smtClean="0">
-                <a:solidFill>
-                  <a:schemeClr val="tx1"/>
-                </a:solidFill>
-                <a:effectLst/>
-                <a:latin typeface="+mn-lt"/>
-                <a:ea typeface="+mn-ea"/>
-                <a:cs typeface="+mn-cs"/>
-              </a:rPr>
-              <a:t>veldir</a:t>
-            </a:r>
-            <a:r>
-              <a:rPr lang="en-NZ" sz="1200" kern="1200" dirty="0" smtClean="0">
-                <a:solidFill>
-                  <a:schemeClr val="tx1"/>
-                </a:solidFill>
-                <a:effectLst/>
-                <a:latin typeface="+mn-lt"/>
-                <a:ea typeface="+mn-ea"/>
-                <a:cs typeface="+mn-cs"/>
-              </a:rPr>
-              <a:t>[</a:t>
-            </a:r>
-            <a:r>
-              <a:rPr lang="en-NZ" sz="1200" kern="1200" dirty="0" err="1" smtClean="0">
-                <a:solidFill>
-                  <a:schemeClr val="tx1"/>
-                </a:solidFill>
-                <a:effectLst/>
-                <a:latin typeface="+mn-lt"/>
-                <a:ea typeface="+mn-ea"/>
-                <a:cs typeface="+mn-cs"/>
-              </a:rPr>
-              <a:t>Spritedir</a:t>
-            </a:r>
-            <a:r>
-              <a:rPr lang="en-NZ" sz="1200" kern="1200" dirty="0" smtClean="0">
-                <a:solidFill>
-                  <a:schemeClr val="tx1"/>
-                </a:solidFill>
-                <a:effectLst/>
-                <a:latin typeface="+mn-lt"/>
-                <a:ea typeface="+mn-ea"/>
-                <a:cs typeface="+mn-cs"/>
-              </a:rPr>
-              <a:t>] * </a:t>
-            </a:r>
-            <a:r>
-              <a:rPr lang="en-NZ" sz="1200" kern="1200" dirty="0" err="1" smtClean="0">
-                <a:solidFill>
-                  <a:schemeClr val="tx1"/>
-                </a:solidFill>
-                <a:effectLst/>
-                <a:latin typeface="+mn-lt"/>
-                <a:ea typeface="+mn-ea"/>
-                <a:cs typeface="+mn-cs"/>
-              </a:rPr>
-              <a:t>xVel</a:t>
-            </a:r>
             <a:endParaRPr lang="en-NZ" sz="1200" kern="1200" dirty="0" smtClean="0">
               <a:solidFill>
                 <a:schemeClr val="tx1"/>
@@ -2501,39 +1399,6 @@
               <a:ea typeface="+mn-ea"/>
               <a:cs typeface="+mn-cs"/>
             </a:endParaRPr>
-          </a:p>
-          <a:p>
-            <a:pPr marL="171450" indent="-171450">
-              <a:buFont typeface="Arial" panose="020B0604020202020204" pitchFamily="34" charset="0"/>
-              <a:buChar char="•"/>
-            </a:pPr>
-            <a:endParaRPr lang="en-NZ" sz="1200" kern="1200" dirty="0" smtClean="0">
-              <a:solidFill>
-                <a:schemeClr val="tx1"/>
-              </a:solidFill>
-              <a:effectLst/>
-              <a:latin typeface="+mn-lt"/>
-              <a:ea typeface="+mn-ea"/>
-              <a:cs typeface="+mn-cs"/>
-            </a:endParaRPr>
-          </a:p>
-          <a:p>
-            <a:pPr marL="171450" indent="-171450">
-              <a:buFont typeface="Arial" panose="020B0604020202020204" pitchFamily="34" charset="0"/>
-              <a:buChar char="•"/>
-            </a:pPr>
-            <a:r>
-              <a:rPr lang="en-NZ" sz="1200" kern="1200" dirty="0" smtClean="0">
-                <a:solidFill>
-                  <a:schemeClr val="tx1"/>
-                </a:solidFill>
-                <a:effectLst/>
-                <a:latin typeface="+mn-lt"/>
-                <a:ea typeface="+mn-ea"/>
-                <a:cs typeface="+mn-cs"/>
-              </a:rPr>
-              <a:t>Watch your modularity here. Don’t just dump everything inline in the move method. Remember: if you can describe it with a single verb, it’s probably a method</a:t>
-            </a:r>
           </a:p>
         </p:txBody>
       </p:sp>
@@ -2754,7 +1619,7 @@
           <a:p>
             <a:fld id="{F8166F1F-CE9B-4651-A6AA-CD717754106B}" type="datetimeFigureOut">
               <a:rPr lang="en-US" smtClean="0"/>
-              <a:t>4/9/20</a:t>
+              <a:t>4/17/20</a:t>
             </a:fld>
             <a:endParaRPr lang="en-US"/>
           </a:p>
@@ -2919,7 +1784,7 @@
           <a:p>
             <a:fld id="{A76116CE-C4A3-4A05-B2D7-7C2E9A889C0F}" type="datetimeFigureOut">
               <a:rPr lang="en-US" smtClean="0"/>
-              <a:t>4/9/20</a:t>
+              <a:t>4/17/20</a:t>
             </a:fld>
             <a:endParaRPr lang="en-US"/>
           </a:p>
@@ -3094,7 +1959,7 @@
           <a:p>
             <a:fld id="{A76116CE-C4A3-4A05-B2D7-7C2E9A889C0F}" type="datetimeFigureOut">
               <a:rPr lang="en-US" smtClean="0"/>
-              <a:t>4/9/20</a:t>
+              <a:t>4/17/20</a:t>
             </a:fld>
             <a:endParaRPr lang="en-US"/>
           </a:p>
@@ -3261,7 +2126,7 @@
           <a:p>
             <a:fld id="{A76116CE-C4A3-4A05-B2D7-7C2E9A889C0F}" type="datetimeFigureOut">
               <a:rPr lang="en-US" smtClean="0"/>
-              <a:t>4/9/20</a:t>
+              <a:t>4/17/20</a:t>
             </a:fld>
             <a:endParaRPr lang="en-US"/>
           </a:p>
@@ -3502,7 +2367,7 @@
           <a:p>
             <a:fld id="{A76116CE-C4A3-4A05-B2D7-7C2E9A889C0F}" type="datetimeFigureOut">
               <a:rPr lang="en-US" smtClean="0"/>
-              <a:t>4/9/20</a:t>
+              <a:t>4/17/20</a:t>
             </a:fld>
             <a:endParaRPr lang="en-US"/>
           </a:p>
@@ -3785,7 +2650,7 @@
           <a:p>
             <a:fld id="{A76116CE-C4A3-4A05-B2D7-7C2E9A889C0F}" type="datetimeFigureOut">
               <a:rPr lang="en-US" smtClean="0"/>
-              <a:t>4/9/20</a:t>
+              <a:t>4/17/20</a:t>
             </a:fld>
             <a:endParaRPr lang="en-US"/>
           </a:p>
@@ -4202,7 +3067,7 @@
           <a:p>
             <a:fld id="{A76116CE-C4A3-4A05-B2D7-7C2E9A889C0F}" type="datetimeFigureOut">
               <a:rPr lang="en-US" smtClean="0"/>
-              <a:t>4/9/20</a:t>
+              <a:t>4/17/20</a:t>
             </a:fld>
             <a:endParaRPr lang="en-US"/>
           </a:p>
@@ -4315,7 +3180,7 @@
           <a:p>
             <a:fld id="{A76116CE-C4A3-4A05-B2D7-7C2E9A889C0F}" type="datetimeFigureOut">
               <a:rPr lang="en-US" smtClean="0"/>
-              <a:t>4/9/20</a:t>
+              <a:t>4/17/20</a:t>
             </a:fld>
             <a:endParaRPr lang="en-US"/>
           </a:p>
@@ -4405,7 +3270,7 @@
           <a:p>
             <a:fld id="{A76116CE-C4A3-4A05-B2D7-7C2E9A889C0F}" type="datetimeFigureOut">
               <a:rPr lang="en-US" smtClean="0"/>
-              <a:t>4/9/20</a:t>
+              <a:t>4/17/20</a:t>
             </a:fld>
             <a:endParaRPr lang="en-US"/>
           </a:p>
@@ -4677,7 +3542,7 @@
           <a:p>
             <a:fld id="{A76116CE-C4A3-4A05-B2D7-7C2E9A889C0F}" type="datetimeFigureOut">
               <a:rPr lang="en-US" smtClean="0"/>
-              <a:t>4/9/20</a:t>
+              <a:t>4/17/20</a:t>
             </a:fld>
             <a:endParaRPr lang="en-US"/>
           </a:p>
@@ -4925,7 +3790,7 @@
           <a:p>
             <a:fld id="{A76116CE-C4A3-4A05-B2D7-7C2E9A889C0F}" type="datetimeFigureOut">
               <a:rPr lang="en-US" smtClean="0"/>
-              <a:t>4/9/20</a:t>
+              <a:t>4/17/20</a:t>
             </a:fld>
             <a:endParaRPr lang="en-US"/>
           </a:p>
@@ -5133,7 +3998,7 @@
           <a:p>
             <a:fld id="{F8166F1F-CE9B-4651-A6AA-CD717754106B}" type="datetimeFigureOut">
               <a:rPr lang="en-US" smtClean="0"/>
-              <a:t>4/9/20</a:t>
+              <a:t>4/17/20</a:t>
             </a:fld>
             <a:endParaRPr lang="en-US"/>
           </a:p>
@@ -5625,19 +4490,7 @@
             </a:r>
             <a:r>
               <a:rPr lang="en-US" sz="3000" b="1" smtClean="0"/>
-              <a:t>, </a:t>
-            </a:r>
-            <a:r>
-              <a:rPr lang="en-US" sz="3000" b="1" smtClean="0"/>
-              <a:t>17</a:t>
-            </a:r>
-            <a:r>
-              <a:rPr lang="en-US" sz="3000" b="1" smtClean="0"/>
-              <a:t> </a:t>
-            </a:r>
-            <a:r>
-              <a:rPr lang="en-US" sz="3000" b="1" smtClean="0"/>
-              <a:t>April</a:t>
+              <a:t>, 17 April</a:t>
             </a:r>
             <a:endParaRPr lang="en-US" sz="3000" b="1" dirty="0"/>
           </a:p>
@@ -7257,14 +6110,14 @@
                 <a:gridCol w="2743200">
                   <a:extLst>
                     <a:ext uri="{9D8B030D-6E8A-4147-A177-3AD203B41FA5}">
-                      <a16:colId xmlns="" xmlns:a16="http://schemas.microsoft.com/office/drawing/2014/main" val="20000"/>
+                      <a16:colId xmlns:a16="http://schemas.microsoft.com/office/drawing/2014/main" xmlns="" val="20000"/>
                     </a:ext>
                   </a:extLst>
                 </a:gridCol>
                 <a:gridCol w="2743200">
                   <a:extLst>
                     <a:ext uri="{9D8B030D-6E8A-4147-A177-3AD203B41FA5}">
-                      <a16:colId xmlns="" xmlns:a16="http://schemas.microsoft.com/office/drawing/2014/main" val="20001"/>
+                      <a16:colId xmlns:a16="http://schemas.microsoft.com/office/drawing/2014/main" xmlns="" val="20001"/>
                     </a:ext>
                   </a:extLst>
                 </a:gridCol>
@@ -7310,7 +6163,7 @@
                 </a:tc>
                 <a:extLst>
                   <a:ext uri="{0D108BD9-81ED-4DB2-BD59-A6C34878D82A}">
-                    <a16:rowId xmlns="" xmlns:a16="http://schemas.microsoft.com/office/drawing/2014/main" val="10000"/>
+                    <a16:rowId xmlns:a16="http://schemas.microsoft.com/office/drawing/2014/main" xmlns="" val="10000"/>
                   </a:ext>
                 </a:extLst>
               </a:tr>
@@ -7345,7 +6198,7 @@
                 </a:tc>
                 <a:extLst>
                   <a:ext uri="{0D108BD9-81ED-4DB2-BD59-A6C34878D82A}">
-                    <a16:rowId xmlns="" xmlns:a16="http://schemas.microsoft.com/office/drawing/2014/main" val="10001"/>
+                    <a16:rowId xmlns:a16="http://schemas.microsoft.com/office/drawing/2014/main" xmlns="" val="10001"/>
                   </a:ext>
                 </a:extLst>
               </a:tr>
@@ -7380,7 +6233,7 @@
                 </a:tc>
                 <a:extLst>
                   <a:ext uri="{0D108BD9-81ED-4DB2-BD59-A6C34878D82A}">
-                    <a16:rowId xmlns="" xmlns:a16="http://schemas.microsoft.com/office/drawing/2014/main" val="10002"/>
+                    <a16:rowId xmlns:a16="http://schemas.microsoft.com/office/drawing/2014/main" xmlns="" val="10002"/>
                   </a:ext>
                 </a:extLst>
               </a:tr>
@@ -7415,7 +6268,7 @@
                 </a:tc>
                 <a:extLst>
                   <a:ext uri="{0D108BD9-81ED-4DB2-BD59-A6C34878D82A}">
-                    <a16:rowId xmlns="" xmlns:a16="http://schemas.microsoft.com/office/drawing/2014/main" val="10003"/>
+                    <a16:rowId xmlns:a16="http://schemas.microsoft.com/office/drawing/2014/main" xmlns="" val="10003"/>
                   </a:ext>
                 </a:extLst>
               </a:tr>
@@ -7450,7 +6303,7 @@
                 </a:tc>
                 <a:extLst>
                   <a:ext uri="{0D108BD9-81ED-4DB2-BD59-A6C34878D82A}">
-                    <a16:rowId xmlns="" xmlns:a16="http://schemas.microsoft.com/office/drawing/2014/main" val="10004"/>
+                    <a16:rowId xmlns:a16="http://schemas.microsoft.com/office/drawing/2014/main" xmlns="" val="10004"/>
                   </a:ext>
                 </a:extLst>
               </a:tr>

--- a/lectures/12-terrain-collision.pptx
+++ b/lectures/12-terrain-collision.pptx
@@ -4576,7 +4576,7 @@
             </a:r>
             <a:r>
               <a:rPr lang="en-NZ" sz="3500" b="1" i="1" dirty="0" smtClean="0"/>
-              <a:t>a priori </a:t>
+              <a:t>“after” </a:t>
             </a:r>
             <a:r>
               <a:rPr lang="en-NZ" sz="3500" b="1" dirty="0" smtClean="0"/>
@@ -6110,14 +6110,14 @@
                 <a:gridCol w="2743200">
                   <a:extLst>
                     <a:ext uri="{9D8B030D-6E8A-4147-A177-3AD203B41FA5}">
-                      <a16:colId xmlns:a16="http://schemas.microsoft.com/office/drawing/2014/main" xmlns="" val="20000"/>
+                      <a16:colId xmlns="" xmlns:a16="http://schemas.microsoft.com/office/drawing/2014/main" val="20000"/>
                     </a:ext>
                   </a:extLst>
                 </a:gridCol>
                 <a:gridCol w="2743200">
                   <a:extLst>
                     <a:ext uri="{9D8B030D-6E8A-4147-A177-3AD203B41FA5}">
-                      <a16:colId xmlns:a16="http://schemas.microsoft.com/office/drawing/2014/main" xmlns="" val="20001"/>
+                      <a16:colId xmlns="" xmlns:a16="http://schemas.microsoft.com/office/drawing/2014/main" val="20001"/>
                     </a:ext>
                   </a:extLst>
                 </a:gridCol>
@@ -6163,7 +6163,7 @@
                 </a:tc>
                 <a:extLst>
                   <a:ext uri="{0D108BD9-81ED-4DB2-BD59-A6C34878D82A}">
-                    <a16:rowId xmlns:a16="http://schemas.microsoft.com/office/drawing/2014/main" xmlns="" val="10000"/>
+                    <a16:rowId xmlns="" xmlns:a16="http://schemas.microsoft.com/office/drawing/2014/main" val="10000"/>
                   </a:ext>
                 </a:extLst>
               </a:tr>
@@ -6198,7 +6198,7 @@
                 </a:tc>
                 <a:extLst>
                   <a:ext uri="{0D108BD9-81ED-4DB2-BD59-A6C34878D82A}">
-                    <a16:rowId xmlns:a16="http://schemas.microsoft.com/office/drawing/2014/main" xmlns="" val="10001"/>
+                    <a16:rowId xmlns="" xmlns:a16="http://schemas.microsoft.com/office/drawing/2014/main" val="10001"/>
                   </a:ext>
                 </a:extLst>
               </a:tr>
@@ -6233,7 +6233,7 @@
                 </a:tc>
                 <a:extLst>
                   <a:ext uri="{0D108BD9-81ED-4DB2-BD59-A6C34878D82A}">
-                    <a16:rowId xmlns:a16="http://schemas.microsoft.com/office/drawing/2014/main" xmlns="" val="10002"/>
+                    <a16:rowId xmlns="" xmlns:a16="http://schemas.microsoft.com/office/drawing/2014/main" val="10002"/>
                   </a:ext>
                 </a:extLst>
               </a:tr>
@@ -6268,7 +6268,7 @@
                 </a:tc>
                 <a:extLst>
                   <a:ext uri="{0D108BD9-81ED-4DB2-BD59-A6C34878D82A}">
-                    <a16:rowId xmlns:a16="http://schemas.microsoft.com/office/drawing/2014/main" xmlns="" val="10003"/>
+                    <a16:rowId xmlns="" xmlns:a16="http://schemas.microsoft.com/office/drawing/2014/main" val="10003"/>
                   </a:ext>
                 </a:extLst>
               </a:tr>
@@ -6303,7 +6303,7 @@
                 </a:tc>
                 <a:extLst>
                   <a:ext uri="{0D108BD9-81ED-4DB2-BD59-A6C34878D82A}">
-                    <a16:rowId xmlns:a16="http://schemas.microsoft.com/office/drawing/2014/main" xmlns="" val="10004"/>
+                    <a16:rowId xmlns="" xmlns:a16="http://schemas.microsoft.com/office/drawing/2014/main" val="10004"/>
                   </a:ext>
                 </a:extLst>
               </a:tr>

--- a/lectures/12-terrain-collision.pptx
+++ b/lectures/12-terrain-collision.pptx
@@ -4486,11 +4486,7 @@
             <a:pPr algn="ctr"/>
             <a:r>
               <a:rPr lang="en-US" sz="3000" b="1" dirty="0" smtClean="0"/>
-              <a:t>Friday</a:t>
-            </a:r>
-            <a:r>
-              <a:rPr lang="en-US" sz="3000" b="1" smtClean="0"/>
-              <a:t>, 17 April</a:t>
+              <a:t>Friday, 17 April</a:t>
             </a:r>
             <a:endParaRPr lang="en-US" sz="3000" b="1" dirty="0"/>
           </a:p>
@@ -6091,7 +6087,7 @@
           <p:nvPr>
             <p:extLst>
               <p:ext uri="{D42A27DB-BD31-4B8C-83A1-F6EECF244321}">
-                <p14:modId xmlns:p14="http://schemas.microsoft.com/office/powerpoint/2010/main" val="532150320"/>
+                <p14:modId xmlns:p14="http://schemas.microsoft.com/office/powerpoint/2010/main" val="747230647"/>
               </p:ext>
             </p:extLst>
           </p:nvPr>
@@ -6110,14 +6106,14 @@
                 <a:gridCol w="2743200">
                   <a:extLst>
                     <a:ext uri="{9D8B030D-6E8A-4147-A177-3AD203B41FA5}">
-                      <a16:colId xmlns="" xmlns:a16="http://schemas.microsoft.com/office/drawing/2014/main" val="20000"/>
+                      <a16:colId xmlns:a16="http://schemas.microsoft.com/office/drawing/2014/main" xmlns="" val="20000"/>
                     </a:ext>
                   </a:extLst>
                 </a:gridCol>
                 <a:gridCol w="2743200">
                   <a:extLst>
                     <a:ext uri="{9D8B030D-6E8A-4147-A177-3AD203B41FA5}">
-                      <a16:colId xmlns="" xmlns:a16="http://schemas.microsoft.com/office/drawing/2014/main" val="20001"/>
+                      <a16:colId xmlns:a16="http://schemas.microsoft.com/office/drawing/2014/main" xmlns="" val="20001"/>
                     </a:ext>
                   </a:extLst>
                 </a:gridCol>
@@ -6163,7 +6159,7 @@
                 </a:tc>
                 <a:extLst>
                   <a:ext uri="{0D108BD9-81ED-4DB2-BD59-A6C34878D82A}">
-                    <a16:rowId xmlns="" xmlns:a16="http://schemas.microsoft.com/office/drawing/2014/main" val="10000"/>
+                    <a16:rowId xmlns:a16="http://schemas.microsoft.com/office/drawing/2014/main" xmlns="" val="10000"/>
                   </a:ext>
                 </a:extLst>
               </a:tr>
@@ -6188,8 +6184,12 @@
                     <a:lstStyle/>
                     <a:p>
                       <a:r>
-                        <a:rPr lang="en-NZ" dirty="0" smtClean="0"/>
-                        <a:t>Upper left</a:t>
+                        <a:rPr lang="en-NZ" smtClean="0"/>
+                        <a:t>Upper </a:t>
+                      </a:r>
+                      <a:r>
+                        <a:rPr lang="en-NZ" smtClean="0"/>
+                        <a:t>left</a:t>
                       </a:r>
                       <a:endParaRPr lang="en-NZ" dirty="0"/>
                     </a:p>
@@ -6198,7 +6198,7 @@
                 </a:tc>
                 <a:extLst>
                   <a:ext uri="{0D108BD9-81ED-4DB2-BD59-A6C34878D82A}">
-                    <a16:rowId xmlns="" xmlns:a16="http://schemas.microsoft.com/office/drawing/2014/main" val="10001"/>
+                    <a16:rowId xmlns:a16="http://schemas.microsoft.com/office/drawing/2014/main" xmlns="" val="10001"/>
                   </a:ext>
                 </a:extLst>
               </a:tr>
@@ -6233,7 +6233,7 @@
                 </a:tc>
                 <a:extLst>
                   <a:ext uri="{0D108BD9-81ED-4DB2-BD59-A6C34878D82A}">
-                    <a16:rowId xmlns="" xmlns:a16="http://schemas.microsoft.com/office/drawing/2014/main" val="10002"/>
+                    <a16:rowId xmlns:a16="http://schemas.microsoft.com/office/drawing/2014/main" xmlns="" val="10002"/>
                   </a:ext>
                 </a:extLst>
               </a:tr>
@@ -6268,7 +6268,7 @@
                 </a:tc>
                 <a:extLst>
                   <a:ext uri="{0D108BD9-81ED-4DB2-BD59-A6C34878D82A}">
-                    <a16:rowId xmlns="" xmlns:a16="http://schemas.microsoft.com/office/drawing/2014/main" val="10003"/>
+                    <a16:rowId xmlns:a16="http://schemas.microsoft.com/office/drawing/2014/main" xmlns="" val="10003"/>
                   </a:ext>
                 </a:extLst>
               </a:tr>
@@ -6294,7 +6294,7 @@
                     <a:p>
                       <a:r>
                         <a:rPr lang="en-NZ" dirty="0" smtClean="0"/>
-                        <a:t>Lower Left</a:t>
+                        <a:t>Lower left</a:t>
                       </a:r>
                       <a:endParaRPr lang="en-NZ" dirty="0"/>
                     </a:p>
@@ -6303,7 +6303,7 @@
                 </a:tc>
                 <a:extLst>
                   <a:ext uri="{0D108BD9-81ED-4DB2-BD59-A6C34878D82A}">
-                    <a16:rowId xmlns="" xmlns:a16="http://schemas.microsoft.com/office/drawing/2014/main" val="10004"/>
+                    <a16:rowId xmlns:a16="http://schemas.microsoft.com/office/drawing/2014/main" xmlns="" val="10004"/>
                   </a:ext>
                 </a:extLst>
               </a:tr>
